--- a/Presentation/Axisymmetric project.pptx
+++ b/Presentation/Axisymmetric project.pptx
@@ -2,13 +2,20 @@
 <file path=ppt/presentation.xml><?xml version="1.0" encoding="utf-8"?>
 <p:presentation xmlns:a="http://schemas.openxmlformats.org/drawingml/2006/main" xmlns:r="http://schemas.openxmlformats.org/officeDocument/2006/relationships" xmlns:p="http://schemas.openxmlformats.org/presentationml/2006/main" saveSubsetFonts="1">
   <p:sldMasterIdLst>
-    <p:sldMasterId id="2147483648" r:id="rId1"/>
+    <p:sldMasterId id="2147483660" r:id="rId1"/>
   </p:sldMasterIdLst>
   <p:sldIdLst>
     <p:sldId id="256" r:id="rId2"/>
     <p:sldId id="257" r:id="rId3"/>
+    <p:sldId id="258" r:id="rId4"/>
+    <p:sldId id="260" r:id="rId5"/>
+    <p:sldId id="261" r:id="rId6"/>
+    <p:sldId id="262" r:id="rId7"/>
+    <p:sldId id="259" r:id="rId8"/>
+    <p:sldId id="263" r:id="rId9"/>
+    <p:sldId id="264" r:id="rId10"/>
   </p:sldIdLst>
-  <p:sldSz cx="12192000" cy="6858000"/>
+  <p:sldSz cx="9144000" cy="6858000" type="screen4x3"/>
   <p:notesSz cx="6858000" cy="9144000"/>
   <p:defaultTextStyle>
     <a:defPPr>
@@ -105,6 +112,11 @@
       </a:defRPr>
     </a:lvl9pPr>
   </p:defaultTextStyle>
+  <p:extLst>
+    <p:ext uri="{EFAFB233-063F-42B5-8137-9DF3F51BA10A}">
+      <p15:sldGuideLst xmlns:p15="http://schemas.microsoft.com/office/powerpoint/2012/main"/>
+    </p:ext>
+  </p:extLst>
 </p:presentation>
 </file>
 
@@ -137,8 +149,8 @@
         </p:nvSpPr>
         <p:spPr>
           <a:xfrm>
-            <a:off x="1524000" y="1122363"/>
-            <a:ext cx="9144000" cy="2387600"/>
+            <a:off x="685800" y="1122363"/>
+            <a:ext cx="7772400" cy="2387600"/>
           </a:xfrm>
         </p:spPr>
         <p:txBody>
@@ -153,7 +165,7 @@
               <a:rPr lang="en-US" smtClean="0"/>
               <a:t>Click to edit Master title style</a:t>
             </a:r>
-            <a:endParaRPr lang="en-US"/>
+            <a:endParaRPr lang="en-US" dirty="0"/>
           </a:p>
         </p:txBody>
       </p:sp>
@@ -169,8 +181,8 @@
         </p:nvSpPr>
         <p:spPr>
           <a:xfrm>
-            <a:off x="1524000" y="3602038"/>
-            <a:ext cx="9144000" cy="1655762"/>
+            <a:off x="1143000" y="3602038"/>
+            <a:ext cx="6858000" cy="1655762"/>
           </a:xfrm>
         </p:spPr>
         <p:txBody>
@@ -218,7 +230,7 @@
               <a:rPr lang="en-US" smtClean="0"/>
               <a:t>Click to edit Master subtitle style</a:t>
             </a:r>
-            <a:endParaRPr lang="en-US"/>
+            <a:endParaRPr lang="en-US" dirty="0"/>
           </a:p>
         </p:txBody>
       </p:sp>
@@ -239,7 +251,7 @@
           <a:p>
             <a:fld id="{565BE92A-F8E4-4EA7-9402-B1B803F7CC1B}" type="datetimeFigureOut">
               <a:rPr lang="en-US" smtClean="0"/>
-              <a:t>4/14/2016</a:t>
+              <a:t>4/27/2016</a:t>
             </a:fld>
             <a:endParaRPr lang="en-US"/>
           </a:p>
@@ -290,7 +302,7 @@
     </p:spTree>
     <p:extLst>
       <p:ext uri="{BB962C8B-B14F-4D97-AF65-F5344CB8AC3E}">
-        <p14:creationId xmlns:p14="http://schemas.microsoft.com/office/powerpoint/2010/main" val="1154474984"/>
+        <p14:creationId xmlns:p14="http://schemas.microsoft.com/office/powerpoint/2010/main" val="520081038"/>
       </p:ext>
     </p:extLst>
   </p:cSld>
@@ -336,7 +348,7 @@
               <a:rPr lang="en-US" smtClean="0"/>
               <a:t>Click to edit Master title style</a:t>
             </a:r>
-            <a:endParaRPr lang="en-US"/>
+            <a:endParaRPr lang="en-US" dirty="0"/>
           </a:p>
         </p:txBody>
       </p:sp>
@@ -388,7 +400,7 @@
               <a:rPr lang="en-US" smtClean="0"/>
               <a:t>Fifth level</a:t>
             </a:r>
-            <a:endParaRPr lang="en-US"/>
+            <a:endParaRPr lang="en-US" dirty="0"/>
           </a:p>
         </p:txBody>
       </p:sp>
@@ -409,7 +421,7 @@
           <a:p>
             <a:fld id="{565BE92A-F8E4-4EA7-9402-B1B803F7CC1B}" type="datetimeFigureOut">
               <a:rPr lang="en-US" smtClean="0"/>
-              <a:t>4/14/2016</a:t>
+              <a:t>4/27/2016</a:t>
             </a:fld>
             <a:endParaRPr lang="en-US"/>
           </a:p>
@@ -460,7 +472,7 @@
     </p:spTree>
     <p:extLst>
       <p:ext uri="{BB962C8B-B14F-4D97-AF65-F5344CB8AC3E}">
-        <p14:creationId xmlns:p14="http://schemas.microsoft.com/office/powerpoint/2010/main" val="3749842324"/>
+        <p14:creationId xmlns:p14="http://schemas.microsoft.com/office/powerpoint/2010/main" val="562061598"/>
       </p:ext>
     </p:extLst>
   </p:cSld>
@@ -499,8 +511,8 @@
         </p:nvSpPr>
         <p:spPr>
           <a:xfrm>
-            <a:off x="8724900" y="365125"/>
-            <a:ext cx="2628900" cy="5811838"/>
+            <a:off x="6543675" y="365125"/>
+            <a:ext cx="1971675" cy="5811838"/>
           </a:xfrm>
         </p:spPr>
         <p:txBody>
@@ -511,7 +523,7 @@
               <a:rPr lang="en-US" smtClean="0"/>
               <a:t>Click to edit Master title style</a:t>
             </a:r>
-            <a:endParaRPr lang="en-US"/>
+            <a:endParaRPr lang="en-US" dirty="0"/>
           </a:p>
         </p:txBody>
       </p:sp>
@@ -527,8 +539,8 @@
         </p:nvSpPr>
         <p:spPr>
           <a:xfrm>
-            <a:off x="838200" y="365125"/>
-            <a:ext cx="7734300" cy="5811838"/>
+            <a:off x="628650" y="365125"/>
+            <a:ext cx="5800725" cy="5811838"/>
           </a:xfrm>
         </p:spPr>
         <p:txBody>
@@ -568,7 +580,7 @@
               <a:rPr lang="en-US" smtClean="0"/>
               <a:t>Fifth level</a:t>
             </a:r>
-            <a:endParaRPr lang="en-US"/>
+            <a:endParaRPr lang="en-US" dirty="0"/>
           </a:p>
         </p:txBody>
       </p:sp>
@@ -589,7 +601,7 @@
           <a:p>
             <a:fld id="{565BE92A-F8E4-4EA7-9402-B1B803F7CC1B}" type="datetimeFigureOut">
               <a:rPr lang="en-US" smtClean="0"/>
-              <a:t>4/14/2016</a:t>
+              <a:t>4/27/2016</a:t>
             </a:fld>
             <a:endParaRPr lang="en-US"/>
           </a:p>
@@ -640,7 +652,7 @@
     </p:spTree>
     <p:extLst>
       <p:ext uri="{BB962C8B-B14F-4D97-AF65-F5344CB8AC3E}">
-        <p14:creationId xmlns:p14="http://schemas.microsoft.com/office/powerpoint/2010/main" val="948356398"/>
+        <p14:creationId xmlns:p14="http://schemas.microsoft.com/office/powerpoint/2010/main" val="1049454548"/>
       </p:ext>
     </p:extLst>
   </p:cSld>
@@ -686,7 +698,7 @@
               <a:rPr lang="en-US" smtClean="0"/>
               <a:t>Click to edit Master title style</a:t>
             </a:r>
-            <a:endParaRPr lang="en-US"/>
+            <a:endParaRPr lang="en-US" dirty="0"/>
           </a:p>
         </p:txBody>
       </p:sp>
@@ -738,7 +750,7 @@
               <a:rPr lang="en-US" smtClean="0"/>
               <a:t>Fifth level</a:t>
             </a:r>
-            <a:endParaRPr lang="en-US"/>
+            <a:endParaRPr lang="en-US" dirty="0"/>
           </a:p>
         </p:txBody>
       </p:sp>
@@ -759,7 +771,7 @@
           <a:p>
             <a:fld id="{565BE92A-F8E4-4EA7-9402-B1B803F7CC1B}" type="datetimeFigureOut">
               <a:rPr lang="en-US" smtClean="0"/>
-              <a:t>4/14/2016</a:t>
+              <a:t>4/27/2016</a:t>
             </a:fld>
             <a:endParaRPr lang="en-US"/>
           </a:p>
@@ -810,7 +822,7 @@
     </p:spTree>
     <p:extLst>
       <p:ext uri="{BB962C8B-B14F-4D97-AF65-F5344CB8AC3E}">
-        <p14:creationId xmlns:p14="http://schemas.microsoft.com/office/powerpoint/2010/main" val="4047952394"/>
+        <p14:creationId xmlns:p14="http://schemas.microsoft.com/office/powerpoint/2010/main" val="973249559"/>
       </p:ext>
     </p:extLst>
   </p:cSld>
@@ -849,8 +861,8 @@
         </p:nvSpPr>
         <p:spPr>
           <a:xfrm>
-            <a:off x="831850" y="1709738"/>
-            <a:ext cx="10515600" cy="2852737"/>
+            <a:off x="623888" y="1709739"/>
+            <a:ext cx="7886700" cy="2852737"/>
           </a:xfrm>
         </p:spPr>
         <p:txBody>
@@ -865,7 +877,7 @@
               <a:rPr lang="en-US" smtClean="0"/>
               <a:t>Click to edit Master title style</a:t>
             </a:r>
-            <a:endParaRPr lang="en-US"/>
+            <a:endParaRPr lang="en-US" dirty="0"/>
           </a:p>
         </p:txBody>
       </p:sp>
@@ -881,8 +893,8 @@
         </p:nvSpPr>
         <p:spPr>
           <a:xfrm>
-            <a:off x="831850" y="4589463"/>
-            <a:ext cx="10515600" cy="1500187"/>
+            <a:off x="623888" y="4589464"/>
+            <a:ext cx="7886700" cy="1500187"/>
           </a:xfrm>
         </p:spPr>
         <p:txBody>
@@ -892,9 +904,7 @@
               <a:buNone/>
               <a:defRPr sz="2400">
                 <a:solidFill>
-                  <a:schemeClr val="tx1">
-                    <a:tint val="75000"/>
-                  </a:schemeClr>
+                  <a:schemeClr val="tx1"/>
                 </a:solidFill>
               </a:defRPr>
             </a:lvl1pPr>
@@ -1005,7 +1015,7 @@
           <a:p>
             <a:fld id="{565BE92A-F8E4-4EA7-9402-B1B803F7CC1B}" type="datetimeFigureOut">
               <a:rPr lang="en-US" smtClean="0"/>
-              <a:t>4/14/2016</a:t>
+              <a:t>4/27/2016</a:t>
             </a:fld>
             <a:endParaRPr lang="en-US"/>
           </a:p>
@@ -1056,7 +1066,7 @@
     </p:spTree>
     <p:extLst>
       <p:ext uri="{BB962C8B-B14F-4D97-AF65-F5344CB8AC3E}">
-        <p14:creationId xmlns:p14="http://schemas.microsoft.com/office/powerpoint/2010/main" val="399599732"/>
+        <p14:creationId xmlns:p14="http://schemas.microsoft.com/office/powerpoint/2010/main" val="1867928482"/>
       </p:ext>
     </p:extLst>
   </p:cSld>
@@ -1102,7 +1112,7 @@
               <a:rPr lang="en-US" smtClean="0"/>
               <a:t>Click to edit Master title style</a:t>
             </a:r>
-            <a:endParaRPr lang="en-US"/>
+            <a:endParaRPr lang="en-US" dirty="0"/>
           </a:p>
         </p:txBody>
       </p:sp>
@@ -1118,8 +1128,8 @@
         </p:nvSpPr>
         <p:spPr>
           <a:xfrm>
-            <a:off x="838200" y="1825625"/>
-            <a:ext cx="5181600" cy="4351338"/>
+            <a:off x="628650" y="1825625"/>
+            <a:ext cx="3886200" cy="4351338"/>
           </a:xfrm>
         </p:spPr>
         <p:txBody>
@@ -1159,7 +1169,7 @@
               <a:rPr lang="en-US" smtClean="0"/>
               <a:t>Fifth level</a:t>
             </a:r>
-            <a:endParaRPr lang="en-US"/>
+            <a:endParaRPr lang="en-US" dirty="0"/>
           </a:p>
         </p:txBody>
       </p:sp>
@@ -1175,8 +1185,8 @@
         </p:nvSpPr>
         <p:spPr>
           <a:xfrm>
-            <a:off x="6172200" y="1825625"/>
-            <a:ext cx="5181600" cy="4351338"/>
+            <a:off x="4629150" y="1825625"/>
+            <a:ext cx="3886200" cy="4351338"/>
           </a:xfrm>
         </p:spPr>
         <p:txBody>
@@ -1216,7 +1226,7 @@
               <a:rPr lang="en-US" smtClean="0"/>
               <a:t>Fifth level</a:t>
             </a:r>
-            <a:endParaRPr lang="en-US"/>
+            <a:endParaRPr lang="en-US" dirty="0"/>
           </a:p>
         </p:txBody>
       </p:sp>
@@ -1237,7 +1247,7 @@
           <a:p>
             <a:fld id="{565BE92A-F8E4-4EA7-9402-B1B803F7CC1B}" type="datetimeFigureOut">
               <a:rPr lang="en-US" smtClean="0"/>
-              <a:t>4/14/2016</a:t>
+              <a:t>4/27/2016</a:t>
             </a:fld>
             <a:endParaRPr lang="en-US"/>
           </a:p>
@@ -1288,7 +1298,7 @@
     </p:spTree>
     <p:extLst>
       <p:ext uri="{BB962C8B-B14F-4D97-AF65-F5344CB8AC3E}">
-        <p14:creationId xmlns:p14="http://schemas.microsoft.com/office/powerpoint/2010/main" val="2863097386"/>
+        <p14:creationId xmlns:p14="http://schemas.microsoft.com/office/powerpoint/2010/main" val="2560814648"/>
       </p:ext>
     </p:extLst>
   </p:cSld>
@@ -1327,8 +1337,8 @@
         </p:nvSpPr>
         <p:spPr>
           <a:xfrm>
-            <a:off x="839788" y="365125"/>
-            <a:ext cx="10515600" cy="1325563"/>
+            <a:off x="629841" y="365126"/>
+            <a:ext cx="7886700" cy="1325563"/>
           </a:xfrm>
         </p:spPr>
         <p:txBody>
@@ -1339,7 +1349,7 @@
               <a:rPr lang="en-US" smtClean="0"/>
               <a:t>Click to edit Master title style</a:t>
             </a:r>
-            <a:endParaRPr lang="en-US"/>
+            <a:endParaRPr lang="en-US" dirty="0"/>
           </a:p>
         </p:txBody>
       </p:sp>
@@ -1355,8 +1365,8 @@
         </p:nvSpPr>
         <p:spPr>
           <a:xfrm>
-            <a:off x="839788" y="1681163"/>
-            <a:ext cx="5157787" cy="823912"/>
+            <a:off x="629842" y="1681163"/>
+            <a:ext cx="3868340" cy="823912"/>
           </a:xfrm>
         </p:spPr>
         <p:txBody>
@@ -1420,8 +1430,8 @@
         </p:nvSpPr>
         <p:spPr>
           <a:xfrm>
-            <a:off x="839788" y="2505075"/>
-            <a:ext cx="5157787" cy="3684588"/>
+            <a:off x="629842" y="2505075"/>
+            <a:ext cx="3868340" cy="3684588"/>
           </a:xfrm>
         </p:spPr>
         <p:txBody>
@@ -1461,7 +1471,7 @@
               <a:rPr lang="en-US" smtClean="0"/>
               <a:t>Fifth level</a:t>
             </a:r>
-            <a:endParaRPr lang="en-US"/>
+            <a:endParaRPr lang="en-US" dirty="0"/>
           </a:p>
         </p:txBody>
       </p:sp>
@@ -1477,8 +1487,8 @@
         </p:nvSpPr>
         <p:spPr>
           <a:xfrm>
-            <a:off x="6172200" y="1681163"/>
-            <a:ext cx="5183188" cy="823912"/>
+            <a:off x="4629150" y="1681163"/>
+            <a:ext cx="3887391" cy="823912"/>
           </a:xfrm>
         </p:spPr>
         <p:txBody>
@@ -1542,8 +1552,8 @@
         </p:nvSpPr>
         <p:spPr>
           <a:xfrm>
-            <a:off x="6172200" y="2505075"/>
-            <a:ext cx="5183188" cy="3684588"/>
+            <a:off x="4629150" y="2505075"/>
+            <a:ext cx="3887391" cy="3684588"/>
           </a:xfrm>
         </p:spPr>
         <p:txBody>
@@ -1583,7 +1593,7 @@
               <a:rPr lang="en-US" smtClean="0"/>
               <a:t>Fifth level</a:t>
             </a:r>
-            <a:endParaRPr lang="en-US"/>
+            <a:endParaRPr lang="en-US" dirty="0"/>
           </a:p>
         </p:txBody>
       </p:sp>
@@ -1604,7 +1614,7 @@
           <a:p>
             <a:fld id="{565BE92A-F8E4-4EA7-9402-B1B803F7CC1B}" type="datetimeFigureOut">
               <a:rPr lang="en-US" smtClean="0"/>
-              <a:t>4/14/2016</a:t>
+              <a:t>4/27/2016</a:t>
             </a:fld>
             <a:endParaRPr lang="en-US"/>
           </a:p>
@@ -1655,7 +1665,7 @@
     </p:spTree>
     <p:extLst>
       <p:ext uri="{BB962C8B-B14F-4D97-AF65-F5344CB8AC3E}">
-        <p14:creationId xmlns:p14="http://schemas.microsoft.com/office/powerpoint/2010/main" val="1205368878"/>
+        <p14:creationId xmlns:p14="http://schemas.microsoft.com/office/powerpoint/2010/main" val="2450652511"/>
       </p:ext>
     </p:extLst>
   </p:cSld>
@@ -1701,7 +1711,7 @@
               <a:rPr lang="en-US" smtClean="0"/>
               <a:t>Click to edit Master title style</a:t>
             </a:r>
-            <a:endParaRPr lang="en-US"/>
+            <a:endParaRPr lang="en-US" dirty="0"/>
           </a:p>
         </p:txBody>
       </p:sp>
@@ -1722,7 +1732,7 @@
           <a:p>
             <a:fld id="{565BE92A-F8E4-4EA7-9402-B1B803F7CC1B}" type="datetimeFigureOut">
               <a:rPr lang="en-US" smtClean="0"/>
-              <a:t>4/14/2016</a:t>
+              <a:t>4/27/2016</a:t>
             </a:fld>
             <a:endParaRPr lang="en-US"/>
           </a:p>
@@ -1773,7 +1783,7 @@
     </p:spTree>
     <p:extLst>
       <p:ext uri="{BB962C8B-B14F-4D97-AF65-F5344CB8AC3E}">
-        <p14:creationId xmlns:p14="http://schemas.microsoft.com/office/powerpoint/2010/main" val="1514099981"/>
+        <p14:creationId xmlns:p14="http://schemas.microsoft.com/office/powerpoint/2010/main" val="1292563036"/>
       </p:ext>
     </p:extLst>
   </p:cSld>
@@ -1817,7 +1827,7 @@
           <a:p>
             <a:fld id="{565BE92A-F8E4-4EA7-9402-B1B803F7CC1B}" type="datetimeFigureOut">
               <a:rPr lang="en-US" smtClean="0"/>
-              <a:t>4/14/2016</a:t>
+              <a:t>4/27/2016</a:t>
             </a:fld>
             <a:endParaRPr lang="en-US"/>
           </a:p>
@@ -1868,7 +1878,7 @@
     </p:spTree>
     <p:extLst>
       <p:ext uri="{BB962C8B-B14F-4D97-AF65-F5344CB8AC3E}">
-        <p14:creationId xmlns:p14="http://schemas.microsoft.com/office/powerpoint/2010/main" val="309562101"/>
+        <p14:creationId xmlns:p14="http://schemas.microsoft.com/office/powerpoint/2010/main" val="3800721539"/>
       </p:ext>
     </p:extLst>
   </p:cSld>
@@ -1907,8 +1917,8 @@
         </p:nvSpPr>
         <p:spPr>
           <a:xfrm>
-            <a:off x="839788" y="457200"/>
-            <a:ext cx="3932237" cy="1600200"/>
+            <a:off x="629841" y="457200"/>
+            <a:ext cx="2949178" cy="1600200"/>
           </a:xfrm>
         </p:spPr>
         <p:txBody>
@@ -1923,7 +1933,7 @@
               <a:rPr lang="en-US" smtClean="0"/>
               <a:t>Click to edit Master title style</a:t>
             </a:r>
-            <a:endParaRPr lang="en-US"/>
+            <a:endParaRPr lang="en-US" dirty="0"/>
           </a:p>
         </p:txBody>
       </p:sp>
@@ -1939,8 +1949,8 @@
         </p:nvSpPr>
         <p:spPr>
           <a:xfrm>
-            <a:off x="5183188" y="987425"/>
-            <a:ext cx="6172200" cy="4873625"/>
+            <a:off x="3887391" y="987426"/>
+            <a:ext cx="4629150" cy="4873625"/>
           </a:xfrm>
         </p:spPr>
         <p:txBody>
@@ -2008,7 +2018,7 @@
               <a:rPr lang="en-US" smtClean="0"/>
               <a:t>Fifth level</a:t>
             </a:r>
-            <a:endParaRPr lang="en-US"/>
+            <a:endParaRPr lang="en-US" dirty="0"/>
           </a:p>
         </p:txBody>
       </p:sp>
@@ -2024,8 +2034,8 @@
         </p:nvSpPr>
         <p:spPr>
           <a:xfrm>
-            <a:off x="839788" y="2057400"/>
-            <a:ext cx="3932237" cy="3811588"/>
+            <a:off x="629841" y="2057400"/>
+            <a:ext cx="2949178" cy="3811588"/>
           </a:xfrm>
         </p:spPr>
         <p:txBody>
@@ -2094,7 +2104,7 @@
           <a:p>
             <a:fld id="{565BE92A-F8E4-4EA7-9402-B1B803F7CC1B}" type="datetimeFigureOut">
               <a:rPr lang="en-US" smtClean="0"/>
-              <a:t>4/14/2016</a:t>
+              <a:t>4/27/2016</a:t>
             </a:fld>
             <a:endParaRPr lang="en-US"/>
           </a:p>
@@ -2145,7 +2155,7 @@
     </p:spTree>
     <p:extLst>
       <p:ext uri="{BB962C8B-B14F-4D97-AF65-F5344CB8AC3E}">
-        <p14:creationId xmlns:p14="http://schemas.microsoft.com/office/powerpoint/2010/main" val="1765465598"/>
+        <p14:creationId xmlns:p14="http://schemas.microsoft.com/office/powerpoint/2010/main" val="1401425893"/>
       </p:ext>
     </p:extLst>
   </p:cSld>
@@ -2184,8 +2194,8 @@
         </p:nvSpPr>
         <p:spPr>
           <a:xfrm>
-            <a:off x="839788" y="457200"/>
-            <a:ext cx="3932237" cy="1600200"/>
+            <a:off x="629841" y="457200"/>
+            <a:ext cx="2949178" cy="1600200"/>
           </a:xfrm>
         </p:spPr>
         <p:txBody>
@@ -2200,7 +2210,7 @@
               <a:rPr lang="en-US" smtClean="0"/>
               <a:t>Click to edit Master title style</a:t>
             </a:r>
-            <a:endParaRPr lang="en-US"/>
+            <a:endParaRPr lang="en-US" dirty="0"/>
           </a:p>
         </p:txBody>
       </p:sp>
@@ -2208,7 +2218,7 @@
         <p:nvSpPr>
           <p:cNvPr id="3" name="Picture Placeholder 2"/>
           <p:cNvSpPr>
-            <a:spLocks noGrp="1"/>
+            <a:spLocks noGrp="1" noChangeAspect="1"/>
           </p:cNvSpPr>
           <p:nvPr>
             <p:ph type="pic" idx="1"/>
@@ -2216,12 +2226,12 @@
         </p:nvSpPr>
         <p:spPr>
           <a:xfrm>
-            <a:off x="5183188" y="987425"/>
-            <a:ext cx="6172200" cy="4873625"/>
+            <a:off x="3887391" y="987426"/>
+            <a:ext cx="4629150" cy="4873625"/>
           </a:xfrm>
         </p:spPr>
         <p:txBody>
-          <a:bodyPr/>
+          <a:bodyPr anchor="t"/>
           <a:lstStyle>
             <a:lvl1pPr marL="0" indent="0">
               <a:buNone/>
@@ -2261,7 +2271,11 @@
             </a:lvl9pPr>
           </a:lstStyle>
           <a:p>
-            <a:endParaRPr lang="en-US"/>
+            <a:r>
+              <a:rPr lang="en-US" smtClean="0"/>
+              <a:t>Click icon to add picture</a:t>
+            </a:r>
+            <a:endParaRPr lang="en-US" dirty="0"/>
           </a:p>
         </p:txBody>
       </p:sp>
@@ -2277,8 +2291,8 @@
         </p:nvSpPr>
         <p:spPr>
           <a:xfrm>
-            <a:off x="839788" y="2057400"/>
-            <a:ext cx="3932237" cy="3811588"/>
+            <a:off x="629841" y="2057400"/>
+            <a:ext cx="2949178" cy="3811588"/>
           </a:xfrm>
         </p:spPr>
         <p:txBody>
@@ -2347,7 +2361,7 @@
           <a:p>
             <a:fld id="{565BE92A-F8E4-4EA7-9402-B1B803F7CC1B}" type="datetimeFigureOut">
               <a:rPr lang="en-US" smtClean="0"/>
-              <a:t>4/14/2016</a:t>
+              <a:t>4/27/2016</a:t>
             </a:fld>
             <a:endParaRPr lang="en-US"/>
           </a:p>
@@ -2398,7 +2412,7 @@
     </p:spTree>
     <p:extLst>
       <p:ext uri="{BB962C8B-B14F-4D97-AF65-F5344CB8AC3E}">
-        <p14:creationId xmlns:p14="http://schemas.microsoft.com/office/powerpoint/2010/main" val="3865681715"/>
+        <p14:creationId xmlns:p14="http://schemas.microsoft.com/office/powerpoint/2010/main" val="3376961871"/>
       </p:ext>
     </p:extLst>
   </p:cSld>
@@ -2442,8 +2456,8 @@
         </p:nvSpPr>
         <p:spPr>
           <a:xfrm>
-            <a:off x="838200" y="365125"/>
-            <a:ext cx="10515600" cy="1325563"/>
+            <a:off x="628650" y="365126"/>
+            <a:ext cx="7886700" cy="1325563"/>
           </a:xfrm>
           <a:prstGeom prst="rect">
             <a:avLst/>
@@ -2459,7 +2473,7 @@
               <a:rPr lang="en-US" smtClean="0"/>
               <a:t>Click to edit Master title style</a:t>
             </a:r>
-            <a:endParaRPr lang="en-US"/>
+            <a:endParaRPr lang="en-US" dirty="0"/>
           </a:p>
         </p:txBody>
       </p:sp>
@@ -2475,8 +2489,8 @@
         </p:nvSpPr>
         <p:spPr>
           <a:xfrm>
-            <a:off x="838200" y="1825625"/>
-            <a:ext cx="10515600" cy="4351338"/>
+            <a:off x="628650" y="1825625"/>
+            <a:ext cx="7886700" cy="4351338"/>
           </a:xfrm>
           <a:prstGeom prst="rect">
             <a:avLst/>
@@ -2521,7 +2535,7 @@
               <a:rPr lang="en-US" smtClean="0"/>
               <a:t>Fifth level</a:t>
             </a:r>
-            <a:endParaRPr lang="en-US"/>
+            <a:endParaRPr lang="en-US" dirty="0"/>
           </a:p>
         </p:txBody>
       </p:sp>
@@ -2537,8 +2551,8 @@
         </p:nvSpPr>
         <p:spPr>
           <a:xfrm>
-            <a:off x="838200" y="6356350"/>
-            <a:ext cx="2743200" cy="365125"/>
+            <a:off x="628650" y="6356351"/>
+            <a:ext cx="2057400" cy="365125"/>
           </a:xfrm>
           <a:prstGeom prst="rect">
             <a:avLst/>
@@ -2560,7 +2574,7 @@
           <a:p>
             <a:fld id="{565BE92A-F8E4-4EA7-9402-B1B803F7CC1B}" type="datetimeFigureOut">
               <a:rPr lang="en-US" smtClean="0"/>
-              <a:t>4/14/2016</a:t>
+              <a:t>4/27/2016</a:t>
             </a:fld>
             <a:endParaRPr lang="en-US"/>
           </a:p>
@@ -2578,8 +2592,8 @@
         </p:nvSpPr>
         <p:spPr>
           <a:xfrm>
-            <a:off x="4038600" y="6356350"/>
-            <a:ext cx="4114800" cy="365125"/>
+            <a:off x="3028950" y="6356351"/>
+            <a:ext cx="3086100" cy="365125"/>
           </a:xfrm>
           <a:prstGeom prst="rect">
             <a:avLst/>
@@ -2615,8 +2629,8 @@
         </p:nvSpPr>
         <p:spPr>
           <a:xfrm>
-            <a:off x="8610600" y="6356350"/>
-            <a:ext cx="2743200" cy="365125"/>
+            <a:off x="6457950" y="6356351"/>
+            <a:ext cx="2057400" cy="365125"/>
           </a:xfrm>
           <a:prstGeom prst="rect">
             <a:avLst/>
@@ -2647,23 +2661,23 @@
     </p:spTree>
     <p:extLst>
       <p:ext uri="{BB962C8B-B14F-4D97-AF65-F5344CB8AC3E}">
-        <p14:creationId xmlns:p14="http://schemas.microsoft.com/office/powerpoint/2010/main" val="3769087170"/>
+        <p14:creationId xmlns:p14="http://schemas.microsoft.com/office/powerpoint/2010/main" val="3690116973"/>
       </p:ext>
     </p:extLst>
   </p:cSld>
   <p:clrMap bg1="lt1" tx1="dk1" bg2="lt2" tx2="dk2" accent1="accent1" accent2="accent2" accent3="accent3" accent4="accent4" accent5="accent5" accent6="accent6" hlink="hlink" folHlink="folHlink"/>
   <p:sldLayoutIdLst>
-    <p:sldLayoutId id="2147483649" r:id="rId1"/>
-    <p:sldLayoutId id="2147483650" r:id="rId2"/>
-    <p:sldLayoutId id="2147483651" r:id="rId3"/>
-    <p:sldLayoutId id="2147483652" r:id="rId4"/>
-    <p:sldLayoutId id="2147483653" r:id="rId5"/>
-    <p:sldLayoutId id="2147483654" r:id="rId6"/>
-    <p:sldLayoutId id="2147483655" r:id="rId7"/>
-    <p:sldLayoutId id="2147483656" r:id="rId8"/>
-    <p:sldLayoutId id="2147483657" r:id="rId9"/>
-    <p:sldLayoutId id="2147483658" r:id="rId10"/>
-    <p:sldLayoutId id="2147483659" r:id="rId11"/>
+    <p:sldLayoutId id="2147483661" r:id="rId1"/>
+    <p:sldLayoutId id="2147483662" r:id="rId2"/>
+    <p:sldLayoutId id="2147483663" r:id="rId3"/>
+    <p:sldLayoutId id="2147483664" r:id="rId4"/>
+    <p:sldLayoutId id="2147483665" r:id="rId5"/>
+    <p:sldLayoutId id="2147483666" r:id="rId6"/>
+    <p:sldLayoutId id="2147483667" r:id="rId7"/>
+    <p:sldLayoutId id="2147483668" r:id="rId8"/>
+    <p:sldLayoutId id="2147483669" r:id="rId9"/>
+    <p:sldLayoutId id="2147483670" r:id="rId10"/>
+    <p:sldLayoutId id="2147483671" r:id="rId11"/>
   </p:sldLayoutIdLst>
   <p:txStyles>
     <p:titleStyle>
@@ -3003,7 +3017,23 @@
           <a:bodyPr/>
           <a:lstStyle/>
           <a:p>
-            <a:endParaRPr lang="en-US"/>
+            <a:r>
+              <a:rPr lang="en-US" dirty="0" smtClean="0"/>
+              <a:t>Derek Lontine</a:t>
+            </a:r>
+          </a:p>
+          <a:p>
+            <a:r>
+              <a:rPr lang="en-US" dirty="0" smtClean="0"/>
+              <a:t>Stuart Childs</a:t>
+            </a:r>
+          </a:p>
+          <a:p>
+            <a:r>
+              <a:rPr lang="en-US" dirty="0" smtClean="0"/>
+              <a:t>Alex Bailey</a:t>
+            </a:r>
+            <a:endParaRPr lang="en-US" dirty="0"/>
           </a:p>
         </p:txBody>
       </p:sp>
@@ -3052,7 +3082,11 @@
           <a:bodyPr/>
           <a:lstStyle/>
           <a:p>
-            <a:endParaRPr lang="en-US"/>
+            <a:r>
+              <a:rPr lang="en-US" dirty="0" smtClean="0"/>
+              <a:t>Axisymmetric Quad Elements</a:t>
+            </a:r>
+            <a:endParaRPr lang="en-US" dirty="0"/>
           </a:p>
         </p:txBody>
       </p:sp>
@@ -3071,7 +3105,57 @@
           <a:bodyPr/>
           <a:lstStyle/>
           <a:p>
-            <a:endParaRPr lang="en-US"/>
+            <a:r>
+              <a:rPr lang="en-US" dirty="0" smtClean="0"/>
+              <a:t>Analytical Formulation</a:t>
+            </a:r>
+          </a:p>
+          <a:p>
+            <a:r>
+              <a:rPr lang="en-US" dirty="0" smtClean="0"/>
+              <a:t>Computational Implementation</a:t>
+            </a:r>
+          </a:p>
+          <a:p>
+            <a:r>
+              <a:rPr lang="en-US" dirty="0" smtClean="0"/>
+              <a:t>Verification Testing</a:t>
+            </a:r>
+          </a:p>
+          <a:p>
+            <a:pPr lvl="1"/>
+            <a:r>
+              <a:rPr lang="en-US" dirty="0" smtClean="0"/>
+              <a:t>Loading Schemes &amp; Analytical Solutions</a:t>
+            </a:r>
+          </a:p>
+          <a:p>
+            <a:pPr lvl="1"/>
+            <a:r>
+              <a:rPr lang="en-US" dirty="0" smtClean="0"/>
+              <a:t>FEM Solutions</a:t>
+            </a:r>
+          </a:p>
+          <a:p>
+            <a:pPr lvl="1"/>
+            <a:r>
+              <a:rPr lang="en-US" dirty="0" smtClean="0"/>
+              <a:t>Error Analysis</a:t>
+            </a:r>
+          </a:p>
+          <a:p>
+            <a:pPr lvl="1"/>
+            <a:r>
+              <a:rPr lang="en-US" dirty="0" smtClean="0"/>
+              <a:t>Tests</a:t>
+            </a:r>
+          </a:p>
+          <a:p>
+            <a:pPr lvl="1"/>
+            <a:endParaRPr lang="en-US" dirty="0" smtClean="0"/>
+          </a:p>
+          <a:p>
+            <a:endParaRPr lang="en-US" dirty="0"/>
           </a:p>
         </p:txBody>
       </p:sp>
@@ -3088,10 +3172,1110 @@
 </p:sld>
 </file>
 
+<file path=ppt/slides/slide3.xml><?xml version="1.0" encoding="utf-8"?>
+<p:sld xmlns:a="http://schemas.openxmlformats.org/drawingml/2006/main" xmlns:r="http://schemas.openxmlformats.org/officeDocument/2006/relationships" xmlns:p="http://schemas.openxmlformats.org/presentationml/2006/main">
+  <p:cSld>
+    <p:spTree>
+      <p:nvGrpSpPr>
+        <p:cNvPr id="1" name=""/>
+        <p:cNvGrpSpPr/>
+        <p:nvPr/>
+      </p:nvGrpSpPr>
+      <p:grpSpPr>
+        <a:xfrm>
+          <a:off x="0" y="0"/>
+          <a:ext cx="0" cy="0"/>
+          <a:chOff x="0" y="0"/>
+          <a:chExt cx="0" cy="0"/>
+        </a:xfrm>
+      </p:grpSpPr>
+      <p:sp>
+        <p:nvSpPr>
+          <p:cNvPr id="2" name="Title 1"/>
+          <p:cNvSpPr>
+            <a:spLocks noGrp="1"/>
+          </p:cNvSpPr>
+          <p:nvPr>
+            <p:ph type="title"/>
+          </p:nvPr>
+        </p:nvSpPr>
+        <p:spPr/>
+        <p:txBody>
+          <a:bodyPr/>
+          <a:lstStyle/>
+          <a:p>
+            <a:r>
+              <a:rPr lang="en-US" dirty="0" smtClean="0"/>
+              <a:t>Analytical Formulation</a:t>
+            </a:r>
+            <a:endParaRPr lang="en-US" dirty="0"/>
+          </a:p>
+        </p:txBody>
+      </p:sp>
+      <p:sp>
+        <p:nvSpPr>
+          <p:cNvPr id="3" name="Content Placeholder 2"/>
+          <p:cNvSpPr>
+            <a:spLocks noGrp="1"/>
+          </p:cNvSpPr>
+          <p:nvPr>
+            <p:ph sz="half" idx="1"/>
+          </p:nvPr>
+        </p:nvSpPr>
+        <p:spPr/>
+        <p:txBody>
+          <a:bodyPr/>
+          <a:lstStyle/>
+          <a:p>
+            <a:endParaRPr lang="en-US" dirty="0"/>
+          </a:p>
+        </p:txBody>
+      </p:sp>
+      <p:pic>
+        <p:nvPicPr>
+          <p:cNvPr id="5" name="Content Placeholder 4"/>
+          <p:cNvPicPr>
+            <a:picLocks noGrp="1" noChangeAspect="1"/>
+          </p:cNvPicPr>
+          <p:nvPr>
+            <p:ph sz="half" idx="2"/>
+          </p:nvPr>
+        </p:nvPicPr>
+        <p:blipFill>
+          <a:blip r:embed="rId2"/>
+          <a:stretch>
+            <a:fillRect/>
+          </a:stretch>
+        </p:blipFill>
+        <p:spPr>
+          <a:xfrm>
+            <a:off x="4786312" y="3263106"/>
+            <a:ext cx="3571875" cy="1476375"/>
+          </a:xfrm>
+          <a:prstGeom prst="rect">
+            <a:avLst/>
+          </a:prstGeom>
+        </p:spPr>
+      </p:pic>
+    </p:spTree>
+    <p:extLst>
+      <p:ext uri="{BB962C8B-B14F-4D97-AF65-F5344CB8AC3E}">
+        <p14:creationId xmlns:p14="http://schemas.microsoft.com/office/powerpoint/2010/main" val="3474032038"/>
+      </p:ext>
+    </p:extLst>
+  </p:cSld>
+  <p:clrMapOvr>
+    <a:masterClrMapping/>
+  </p:clrMapOvr>
+</p:sld>
+</file>
+
+<file path=ppt/slides/slide4.xml><?xml version="1.0" encoding="utf-8"?>
+<p:sld xmlns:a="http://schemas.openxmlformats.org/drawingml/2006/main" xmlns:r="http://schemas.openxmlformats.org/officeDocument/2006/relationships" xmlns:p="http://schemas.openxmlformats.org/presentationml/2006/main">
+  <p:cSld>
+    <p:spTree>
+      <p:nvGrpSpPr>
+        <p:cNvPr id="1" name=""/>
+        <p:cNvGrpSpPr/>
+        <p:nvPr/>
+      </p:nvGrpSpPr>
+      <p:grpSpPr>
+        <a:xfrm>
+          <a:off x="0" y="0"/>
+          <a:ext cx="0" cy="0"/>
+          <a:chOff x="0" y="0"/>
+          <a:chExt cx="0" cy="0"/>
+        </a:xfrm>
+      </p:grpSpPr>
+      <p:sp>
+        <p:nvSpPr>
+          <p:cNvPr id="2" name="Title 1"/>
+          <p:cNvSpPr>
+            <a:spLocks noGrp="1"/>
+          </p:cNvSpPr>
+          <p:nvPr>
+            <p:ph type="title"/>
+          </p:nvPr>
+        </p:nvSpPr>
+        <p:spPr/>
+        <p:txBody>
+          <a:bodyPr>
+            <a:normAutofit fontScale="90000"/>
+          </a:bodyPr>
+          <a:lstStyle/>
+          <a:p>
+            <a:r>
+              <a:rPr lang="en-US" dirty="0" smtClean="0"/>
+              <a:t>CSDAX4F:</a:t>
+            </a:r>
+            <a:br>
+              <a:rPr lang="en-US" dirty="0" smtClean="0"/>
+            </a:br>
+            <a:r>
+              <a:rPr lang="en-US" sz="3600" dirty="0" smtClean="0"/>
+              <a:t>Continuum Stress-Displacement, Axisymmetric Quad 4, Full Integration</a:t>
+            </a:r>
+            <a:endParaRPr lang="en-US" sz="3600" dirty="0"/>
+          </a:p>
+        </p:txBody>
+      </p:sp>
+      <p:pic>
+        <p:nvPicPr>
+          <p:cNvPr id="4" name="Content Placeholder 3"/>
+          <p:cNvPicPr>
+            <a:picLocks noGrp="1" noChangeAspect="1"/>
+          </p:cNvPicPr>
+          <p:nvPr>
+            <p:ph idx="1"/>
+          </p:nvPr>
+        </p:nvPicPr>
+        <p:blipFill>
+          <a:blip r:embed="rId2"/>
+          <a:stretch>
+            <a:fillRect/>
+          </a:stretch>
+        </p:blipFill>
+        <p:spPr>
+          <a:xfrm>
+            <a:off x="845588" y="1918762"/>
+            <a:ext cx="7452823" cy="4351338"/>
+          </a:xfrm>
+          <a:prstGeom prst="rect">
+            <a:avLst/>
+          </a:prstGeom>
+        </p:spPr>
+      </p:pic>
+    </p:spTree>
+    <p:extLst>
+      <p:ext uri="{BB962C8B-B14F-4D97-AF65-F5344CB8AC3E}">
+        <p14:creationId xmlns:p14="http://schemas.microsoft.com/office/powerpoint/2010/main" val="1894615195"/>
+      </p:ext>
+    </p:extLst>
+  </p:cSld>
+  <p:clrMapOvr>
+    <a:masterClrMapping/>
+  </p:clrMapOvr>
+</p:sld>
+</file>
+
+<file path=ppt/slides/slide5.xml><?xml version="1.0" encoding="utf-8"?>
+<p:sld xmlns:a="http://schemas.openxmlformats.org/drawingml/2006/main" xmlns:r="http://schemas.openxmlformats.org/officeDocument/2006/relationships" xmlns:p="http://schemas.openxmlformats.org/presentationml/2006/main">
+  <p:cSld>
+    <p:spTree>
+      <p:nvGrpSpPr>
+        <p:cNvPr id="1" name=""/>
+        <p:cNvGrpSpPr/>
+        <p:nvPr/>
+      </p:nvGrpSpPr>
+      <p:grpSpPr>
+        <a:xfrm>
+          <a:off x="0" y="0"/>
+          <a:ext cx="0" cy="0"/>
+          <a:chOff x="0" y="0"/>
+          <a:chExt cx="0" cy="0"/>
+        </a:xfrm>
+      </p:grpSpPr>
+      <p:sp>
+        <p:nvSpPr>
+          <p:cNvPr id="2" name="Title 1"/>
+          <p:cNvSpPr>
+            <a:spLocks noGrp="1"/>
+          </p:cNvSpPr>
+          <p:nvPr>
+            <p:ph type="title"/>
+          </p:nvPr>
+        </p:nvSpPr>
+        <p:spPr/>
+        <p:txBody>
+          <a:bodyPr>
+            <a:normAutofit fontScale="90000"/>
+          </a:bodyPr>
+          <a:lstStyle/>
+          <a:p>
+            <a:r>
+              <a:rPr lang="en-US" dirty="0" smtClean="0"/>
+              <a:t>CSDAX4R:</a:t>
+            </a:r>
+            <a:br>
+              <a:rPr lang="en-US" dirty="0" smtClean="0"/>
+            </a:br>
+            <a:r>
+              <a:rPr lang="en-US" sz="3600" dirty="0" smtClean="0"/>
+              <a:t>Continuum Stress-Displacement, Axisymmetric Quad 4, Reduced Integration</a:t>
+            </a:r>
+            <a:endParaRPr lang="en-US" sz="3600" dirty="0"/>
+          </a:p>
+        </p:txBody>
+      </p:sp>
+      <p:pic>
+        <p:nvPicPr>
+          <p:cNvPr id="5" name="Content Placeholder 4"/>
+          <p:cNvPicPr>
+            <a:picLocks noGrp="1" noChangeAspect="1"/>
+          </p:cNvPicPr>
+          <p:nvPr>
+            <p:ph idx="1"/>
+          </p:nvPr>
+        </p:nvPicPr>
+        <p:blipFill>
+          <a:blip r:embed="rId2"/>
+          <a:stretch>
+            <a:fillRect/>
+          </a:stretch>
+        </p:blipFill>
+        <p:spPr>
+          <a:xfrm>
+            <a:off x="1500017" y="1825625"/>
+            <a:ext cx="6143966" cy="4351338"/>
+          </a:xfrm>
+          <a:prstGeom prst="rect">
+            <a:avLst/>
+          </a:prstGeom>
+        </p:spPr>
+      </p:pic>
+    </p:spTree>
+    <p:extLst>
+      <p:ext uri="{BB962C8B-B14F-4D97-AF65-F5344CB8AC3E}">
+        <p14:creationId xmlns:p14="http://schemas.microsoft.com/office/powerpoint/2010/main" val="2624159599"/>
+      </p:ext>
+    </p:extLst>
+  </p:cSld>
+  <p:clrMapOvr>
+    <a:masterClrMapping/>
+  </p:clrMapOvr>
+</p:sld>
+</file>
+
+<file path=ppt/slides/slide6.xml><?xml version="1.0" encoding="utf-8"?>
+<p:sld xmlns:a="http://schemas.openxmlformats.org/drawingml/2006/main" xmlns:r="http://schemas.openxmlformats.org/officeDocument/2006/relationships" xmlns:p="http://schemas.openxmlformats.org/presentationml/2006/main">
+  <p:cSld>
+    <p:spTree>
+      <p:nvGrpSpPr>
+        <p:cNvPr id="1" name=""/>
+        <p:cNvGrpSpPr/>
+        <p:nvPr/>
+      </p:nvGrpSpPr>
+      <p:grpSpPr>
+        <a:xfrm>
+          <a:off x="0" y="0"/>
+          <a:ext cx="0" cy="0"/>
+          <a:chOff x="0" y="0"/>
+          <a:chExt cx="0" cy="0"/>
+        </a:xfrm>
+      </p:grpSpPr>
+      <p:sp>
+        <p:nvSpPr>
+          <p:cNvPr id="2" name="Title 1"/>
+          <p:cNvSpPr>
+            <a:spLocks noGrp="1"/>
+          </p:cNvSpPr>
+          <p:nvPr>
+            <p:ph type="title"/>
+          </p:nvPr>
+        </p:nvSpPr>
+        <p:spPr/>
+        <p:txBody>
+          <a:bodyPr/>
+          <a:lstStyle/>
+          <a:p>
+            <a:r>
+              <a:rPr lang="en-US" dirty="0" smtClean="0"/>
+              <a:t>Modify the Stiffness</a:t>
+            </a:r>
+            <a:endParaRPr lang="en-US" dirty="0"/>
+          </a:p>
+        </p:txBody>
+      </p:sp>
+      <p:pic>
+        <p:nvPicPr>
+          <p:cNvPr id="4" name="Content Placeholder 3"/>
+          <p:cNvPicPr>
+            <a:picLocks noGrp="1" noChangeAspect="1"/>
+          </p:cNvPicPr>
+          <p:nvPr>
+            <p:ph idx="1"/>
+          </p:nvPr>
+        </p:nvPicPr>
+        <p:blipFill>
+          <a:blip r:embed="rId2"/>
+          <a:stretch>
+            <a:fillRect/>
+          </a:stretch>
+        </p:blipFill>
+        <p:spPr>
+          <a:xfrm>
+            <a:off x="335193" y="1877748"/>
+            <a:ext cx="4578946" cy="1547812"/>
+          </a:xfrm>
+          <a:prstGeom prst="rect">
+            <a:avLst/>
+          </a:prstGeom>
+        </p:spPr>
+      </p:pic>
+      <p:pic>
+        <p:nvPicPr>
+          <p:cNvPr id="5" name="Content Placeholder 4"/>
+          <p:cNvPicPr>
+            <a:picLocks noChangeAspect="1"/>
+          </p:cNvPicPr>
+          <p:nvPr/>
+        </p:nvPicPr>
+        <p:blipFill>
+          <a:blip r:embed="rId3"/>
+          <a:stretch>
+            <a:fillRect/>
+          </a:stretch>
+        </p:blipFill>
+        <p:spPr>
+          <a:xfrm>
+            <a:off x="5074180" y="2865174"/>
+            <a:ext cx="3571875" cy="1476375"/>
+          </a:xfrm>
+          <a:prstGeom prst="rect">
+            <a:avLst/>
+          </a:prstGeom>
+        </p:spPr>
+      </p:pic>
+      <p:pic>
+        <p:nvPicPr>
+          <p:cNvPr id="6" name="Picture 5"/>
+          <p:cNvPicPr>
+            <a:picLocks noChangeAspect="1"/>
+          </p:cNvPicPr>
+          <p:nvPr/>
+        </p:nvPicPr>
+        <p:blipFill>
+          <a:blip r:embed="rId4"/>
+          <a:stretch>
+            <a:fillRect/>
+          </a:stretch>
+        </p:blipFill>
+        <p:spPr>
+          <a:xfrm>
+            <a:off x="330432" y="3696494"/>
+            <a:ext cx="4588468" cy="1720674"/>
+          </a:xfrm>
+          <a:prstGeom prst="rect">
+            <a:avLst/>
+          </a:prstGeom>
+        </p:spPr>
+      </p:pic>
+      <p:sp>
+        <p:nvSpPr>
+          <p:cNvPr id="7" name="TextBox 6"/>
+          <p:cNvSpPr txBox="1"/>
+          <p:nvPr/>
+        </p:nvSpPr>
+        <p:spPr>
+          <a:xfrm>
+            <a:off x="6036733" y="2508925"/>
+            <a:ext cx="1992212" cy="369332"/>
+          </a:xfrm>
+          <a:prstGeom prst="rect">
+            <a:avLst/>
+          </a:prstGeom>
+          <a:noFill/>
+        </p:spPr>
+        <p:txBody>
+          <a:bodyPr wrap="none" rtlCol="0">
+            <a:spAutoFit/>
+          </a:bodyPr>
+          <a:lstStyle/>
+          <a:p>
+            <a:r>
+              <a:rPr lang="en-US" dirty="0" err="1" smtClean="0"/>
+              <a:t>Fellipa</a:t>
+            </a:r>
+            <a:r>
+              <a:rPr lang="en-US" dirty="0" smtClean="0"/>
+              <a:t> Formulation</a:t>
+            </a:r>
+            <a:endParaRPr lang="en-US" dirty="0"/>
+          </a:p>
+        </p:txBody>
+      </p:sp>
+      <p:sp>
+        <p:nvSpPr>
+          <p:cNvPr id="8" name="TextBox 7"/>
+          <p:cNvSpPr txBox="1"/>
+          <p:nvPr/>
+        </p:nvSpPr>
+        <p:spPr>
+          <a:xfrm>
+            <a:off x="2459566" y="5516034"/>
+            <a:ext cx="4224867" cy="923330"/>
+          </a:xfrm>
+          <a:prstGeom prst="rect">
+            <a:avLst/>
+          </a:prstGeom>
+          <a:noFill/>
+        </p:spPr>
+        <p:txBody>
+          <a:bodyPr wrap="square" rtlCol="0">
+            <a:spAutoFit/>
+          </a:bodyPr>
+          <a:lstStyle/>
+          <a:p>
+            <a:r>
+              <a:rPr lang="en-US" dirty="0" smtClean="0"/>
+              <a:t>Also did similar addition of r for hourglass control, selective reduced integration functions</a:t>
+            </a:r>
+            <a:endParaRPr lang="en-US" dirty="0"/>
+          </a:p>
+        </p:txBody>
+      </p:sp>
+    </p:spTree>
+    <p:extLst>
+      <p:ext uri="{BB962C8B-B14F-4D97-AF65-F5344CB8AC3E}">
+        <p14:creationId xmlns:p14="http://schemas.microsoft.com/office/powerpoint/2010/main" val="2480505727"/>
+      </p:ext>
+    </p:extLst>
+  </p:cSld>
+  <p:clrMapOvr>
+    <a:masterClrMapping/>
+  </p:clrMapOvr>
+</p:sld>
+</file>
+
+<file path=ppt/slides/slide7.xml><?xml version="1.0" encoding="utf-8"?>
+<p:sld xmlns:a="http://schemas.openxmlformats.org/drawingml/2006/main" xmlns:r="http://schemas.openxmlformats.org/officeDocument/2006/relationships" xmlns:p="http://schemas.openxmlformats.org/presentationml/2006/main">
+  <p:cSld>
+    <p:spTree>
+      <p:nvGrpSpPr>
+        <p:cNvPr id="1" name=""/>
+        <p:cNvGrpSpPr/>
+        <p:nvPr/>
+      </p:nvGrpSpPr>
+      <p:grpSpPr>
+        <a:xfrm>
+          <a:off x="0" y="0"/>
+          <a:ext cx="0" cy="0"/>
+          <a:chOff x="0" y="0"/>
+          <a:chExt cx="0" cy="0"/>
+        </a:xfrm>
+      </p:grpSpPr>
+      <p:sp>
+        <p:nvSpPr>
+          <p:cNvPr id="2" name="Title 1"/>
+          <p:cNvSpPr>
+            <a:spLocks noGrp="1"/>
+          </p:cNvSpPr>
+          <p:nvPr>
+            <p:ph type="title"/>
+          </p:nvPr>
+        </p:nvSpPr>
+        <p:spPr/>
+        <p:txBody>
+          <a:bodyPr/>
+          <a:lstStyle/>
+          <a:p>
+            <a:r>
+              <a:rPr lang="en-US" dirty="0" smtClean="0"/>
+              <a:t>Parameters to Solve:</a:t>
+            </a:r>
+            <a:endParaRPr lang="en-US" dirty="0"/>
+          </a:p>
+        </p:txBody>
+      </p:sp>
+      <p:sp>
+        <p:nvSpPr>
+          <p:cNvPr id="3" name="Content Placeholder 2"/>
+          <p:cNvSpPr>
+            <a:spLocks noGrp="1"/>
+          </p:cNvSpPr>
+          <p:nvPr>
+            <p:ph sz="half" idx="1"/>
+          </p:nvPr>
+        </p:nvSpPr>
+        <p:spPr/>
+        <p:txBody>
+          <a:bodyPr>
+            <a:normAutofit lnSpcReduction="10000"/>
+          </a:bodyPr>
+          <a:lstStyle/>
+          <a:p>
+            <a:r>
+              <a:rPr lang="en-US" dirty="0" smtClean="0"/>
+              <a:t>Element Variables:</a:t>
+            </a:r>
+          </a:p>
+          <a:p>
+            <a:pPr lvl="1"/>
+            <a:r>
+              <a:rPr lang="en-US" dirty="0" smtClean="0"/>
+              <a:t>Integration order (#of GP)</a:t>
+            </a:r>
+          </a:p>
+          <a:p>
+            <a:pPr lvl="1"/>
+            <a:r>
+              <a:rPr lang="en-US" dirty="0" smtClean="0"/>
+              <a:t>Formulation type (Santos/</a:t>
+            </a:r>
+            <a:r>
+              <a:rPr lang="en-US" dirty="0" err="1" smtClean="0"/>
+              <a:t>Fellipa</a:t>
+            </a:r>
+            <a:r>
+              <a:rPr lang="en-US" dirty="0" smtClean="0"/>
+              <a:t>)</a:t>
+            </a:r>
+          </a:p>
+          <a:p>
+            <a:pPr lvl="1"/>
+            <a:r>
+              <a:rPr lang="en-US" dirty="0" smtClean="0"/>
+              <a:t>Hourglass Control</a:t>
+            </a:r>
+          </a:p>
+          <a:p>
+            <a:pPr lvl="1"/>
+            <a:r>
+              <a:rPr lang="en-US" dirty="0" smtClean="0"/>
+              <a:t>Selective Reduced Integration Correction</a:t>
+            </a:r>
+          </a:p>
+          <a:p>
+            <a:pPr lvl="1"/>
+            <a:endParaRPr lang="en-US" dirty="0"/>
+          </a:p>
+          <a:p>
+            <a:r>
+              <a:rPr lang="en-US" dirty="0"/>
+              <a:t>Problem Parameters:</a:t>
+            </a:r>
+          </a:p>
+          <a:p>
+            <a:pPr lvl="1"/>
+            <a:r>
+              <a:rPr lang="en-US" dirty="0"/>
+              <a:t>E, v</a:t>
+            </a:r>
+          </a:p>
+          <a:p>
+            <a:pPr lvl="1"/>
+            <a:r>
+              <a:rPr lang="en-US" dirty="0"/>
+              <a:t>[ID], OD, </a:t>
+            </a:r>
+            <a:r>
+              <a:rPr lang="en-US" dirty="0" smtClean="0"/>
+              <a:t>thickness</a:t>
+            </a:r>
+          </a:p>
+          <a:p>
+            <a:pPr lvl="1"/>
+            <a:endParaRPr lang="en-US" dirty="0" smtClean="0"/>
+          </a:p>
+          <a:p>
+            <a:pPr lvl="1"/>
+            <a:endParaRPr lang="en-US" dirty="0"/>
+          </a:p>
+        </p:txBody>
+      </p:sp>
+      <p:sp>
+        <p:nvSpPr>
+          <p:cNvPr id="4" name="Content Placeholder 3"/>
+          <p:cNvSpPr>
+            <a:spLocks noGrp="1"/>
+          </p:cNvSpPr>
+          <p:nvPr>
+            <p:ph sz="half" idx="2"/>
+          </p:nvPr>
+        </p:nvSpPr>
+        <p:spPr/>
+        <p:txBody>
+          <a:bodyPr>
+            <a:normAutofit lnSpcReduction="10000"/>
+          </a:bodyPr>
+          <a:lstStyle/>
+          <a:p>
+            <a:r>
+              <a:rPr lang="en-US" dirty="0" smtClean="0"/>
+              <a:t>Test Types:</a:t>
+            </a:r>
+          </a:p>
+          <a:p>
+            <a:pPr lvl="1"/>
+            <a:r>
+              <a:rPr lang="en-US" dirty="0" smtClean="0"/>
+              <a:t>Pinned vs fixed boundary</a:t>
+            </a:r>
+          </a:p>
+          <a:p>
+            <a:pPr lvl="1"/>
+            <a:r>
+              <a:rPr lang="en-US" dirty="0" smtClean="0"/>
+              <a:t>Concentrated vs distributed load</a:t>
+            </a:r>
+          </a:p>
+          <a:p>
+            <a:pPr lvl="1"/>
+            <a:r>
+              <a:rPr lang="en-US" dirty="0" smtClean="0"/>
+              <a:t>Plate vs washer geometry</a:t>
+            </a:r>
+          </a:p>
+          <a:p>
+            <a:pPr lvl="1"/>
+            <a:r>
+              <a:rPr lang="en-US" dirty="0" smtClean="0"/>
+              <a:t>8 total tests</a:t>
+            </a:r>
+          </a:p>
+        </p:txBody>
+      </p:sp>
+    </p:spTree>
+    <p:extLst>
+      <p:ext uri="{BB962C8B-B14F-4D97-AF65-F5344CB8AC3E}">
+        <p14:creationId xmlns:p14="http://schemas.microsoft.com/office/powerpoint/2010/main" val="4122003554"/>
+      </p:ext>
+    </p:extLst>
+  </p:cSld>
+  <p:clrMapOvr>
+    <a:masterClrMapping/>
+  </p:clrMapOvr>
+</p:sld>
+</file>
+
+<file path=ppt/slides/slide8.xml><?xml version="1.0" encoding="utf-8"?>
+<p:sld xmlns:a="http://schemas.openxmlformats.org/drawingml/2006/main" xmlns:r="http://schemas.openxmlformats.org/officeDocument/2006/relationships" xmlns:p="http://schemas.openxmlformats.org/presentationml/2006/main">
+  <p:cSld>
+    <p:spTree>
+      <p:nvGrpSpPr>
+        <p:cNvPr id="1" name=""/>
+        <p:cNvGrpSpPr/>
+        <p:nvPr/>
+      </p:nvGrpSpPr>
+      <p:grpSpPr>
+        <a:xfrm>
+          <a:off x="0" y="0"/>
+          <a:ext cx="0" cy="0"/>
+          <a:chOff x="0" y="0"/>
+          <a:chExt cx="0" cy="0"/>
+        </a:xfrm>
+      </p:grpSpPr>
+      <p:sp>
+        <p:nvSpPr>
+          <p:cNvPr id="2" name="Title 1"/>
+          <p:cNvSpPr>
+            <a:spLocks noGrp="1"/>
+          </p:cNvSpPr>
+          <p:nvPr>
+            <p:ph type="title"/>
+          </p:nvPr>
+        </p:nvSpPr>
+        <p:spPr>
+          <a:xfrm>
+            <a:off x="628650" y="-219074"/>
+            <a:ext cx="7886700" cy="1325563"/>
+          </a:xfrm>
+        </p:spPr>
+        <p:txBody>
+          <a:bodyPr/>
+          <a:lstStyle/>
+          <a:p>
+            <a:r>
+              <a:rPr lang="en-US" dirty="0" smtClean="0"/>
+              <a:t>Error Analysis</a:t>
+            </a:r>
+            <a:endParaRPr lang="en-US" dirty="0"/>
+          </a:p>
+        </p:txBody>
+      </p:sp>
+      <p:pic>
+        <p:nvPicPr>
+          <p:cNvPr id="5" name="Content Placeholder 4"/>
+          <p:cNvPicPr>
+            <a:picLocks noGrp="1" noChangeAspect="1"/>
+          </p:cNvPicPr>
+          <p:nvPr>
+            <p:ph idx="1"/>
+          </p:nvPr>
+        </p:nvPicPr>
+        <p:blipFill>
+          <a:blip r:embed="rId2">
+            <a:extLst>
+              <a:ext uri="{28A0092B-C50C-407E-A947-70E740481C1C}">
+                <a14:useLocalDpi xmlns:a14="http://schemas.microsoft.com/office/drawing/2010/main" val="0"/>
+              </a:ext>
+            </a:extLst>
+          </a:blip>
+          <a:stretch>
+            <a:fillRect/>
+          </a:stretch>
+        </p:blipFill>
+        <p:spPr>
+          <a:xfrm>
+            <a:off x="242490" y="877888"/>
+            <a:ext cx="4417220" cy="2944812"/>
+          </a:xfrm>
+        </p:spPr>
+      </p:pic>
+      <p:pic>
+        <p:nvPicPr>
+          <p:cNvPr id="7" name="Picture 6"/>
+          <p:cNvPicPr>
+            <a:picLocks noChangeAspect="1"/>
+          </p:cNvPicPr>
+          <p:nvPr/>
+        </p:nvPicPr>
+        <p:blipFill>
+          <a:blip r:embed="rId2">
+            <a:extLst>
+              <a:ext uri="{28A0092B-C50C-407E-A947-70E740481C1C}">
+                <a14:useLocalDpi xmlns:a14="http://schemas.microsoft.com/office/drawing/2010/main" val="0"/>
+              </a:ext>
+            </a:extLst>
+          </a:blip>
+          <a:stretch>
+            <a:fillRect/>
+          </a:stretch>
+        </p:blipFill>
+        <p:spPr>
+          <a:xfrm>
+            <a:off x="242490" y="3822700"/>
+            <a:ext cx="4417220" cy="2944813"/>
+          </a:xfrm>
+          <a:prstGeom prst="rect">
+            <a:avLst/>
+          </a:prstGeom>
+        </p:spPr>
+      </p:pic>
+      <p:pic>
+        <p:nvPicPr>
+          <p:cNvPr id="8" name="Picture 7"/>
+          <p:cNvPicPr>
+            <a:picLocks noChangeAspect="1"/>
+          </p:cNvPicPr>
+          <p:nvPr/>
+        </p:nvPicPr>
+        <p:blipFill>
+          <a:blip r:embed="rId3">
+            <a:extLst>
+              <a:ext uri="{28A0092B-C50C-407E-A947-70E740481C1C}">
+                <a14:useLocalDpi xmlns:a14="http://schemas.microsoft.com/office/drawing/2010/main" val="0"/>
+              </a:ext>
+            </a:extLst>
+          </a:blip>
+          <a:stretch>
+            <a:fillRect/>
+          </a:stretch>
+        </p:blipFill>
+        <p:spPr>
+          <a:xfrm>
+            <a:off x="4659710" y="3822701"/>
+            <a:ext cx="4417219" cy="2944812"/>
+          </a:xfrm>
+          <a:prstGeom prst="rect">
+            <a:avLst/>
+          </a:prstGeom>
+        </p:spPr>
+      </p:pic>
+      <p:pic>
+        <p:nvPicPr>
+          <p:cNvPr id="6" name="Picture 5"/>
+          <p:cNvPicPr>
+            <a:picLocks noChangeAspect="1"/>
+          </p:cNvPicPr>
+          <p:nvPr/>
+        </p:nvPicPr>
+        <p:blipFill>
+          <a:blip r:embed="rId4">
+            <a:extLst>
+              <a:ext uri="{28A0092B-C50C-407E-A947-70E740481C1C}">
+                <a14:useLocalDpi xmlns:a14="http://schemas.microsoft.com/office/drawing/2010/main" val="0"/>
+              </a:ext>
+            </a:extLst>
+          </a:blip>
+          <a:stretch>
+            <a:fillRect/>
+          </a:stretch>
+        </p:blipFill>
+        <p:spPr>
+          <a:xfrm>
+            <a:off x="4659710" y="877888"/>
+            <a:ext cx="4417219" cy="2944812"/>
+          </a:xfrm>
+          <a:prstGeom prst="rect">
+            <a:avLst/>
+          </a:prstGeom>
+        </p:spPr>
+      </p:pic>
+      <p:pic>
+        <p:nvPicPr>
+          <p:cNvPr id="9" name="Picture 8"/>
+          <p:cNvPicPr>
+            <a:picLocks noChangeAspect="1"/>
+          </p:cNvPicPr>
+          <p:nvPr/>
+        </p:nvPicPr>
+        <p:blipFill>
+          <a:blip r:embed="rId5"/>
+          <a:stretch>
+            <a:fillRect/>
+          </a:stretch>
+        </p:blipFill>
+        <p:spPr>
+          <a:xfrm>
+            <a:off x="4496330" y="1683544"/>
+            <a:ext cx="219075" cy="1333500"/>
+          </a:xfrm>
+          <a:prstGeom prst="rect">
+            <a:avLst/>
+          </a:prstGeom>
+        </p:spPr>
+      </p:pic>
+    </p:spTree>
+    <p:extLst>
+      <p:ext uri="{BB962C8B-B14F-4D97-AF65-F5344CB8AC3E}">
+        <p14:creationId xmlns:p14="http://schemas.microsoft.com/office/powerpoint/2010/main" val="1602891678"/>
+      </p:ext>
+    </p:extLst>
+  </p:cSld>
+  <p:clrMapOvr>
+    <a:masterClrMapping/>
+  </p:clrMapOvr>
+</p:sld>
+</file>
+
+<file path=ppt/slides/slide9.xml><?xml version="1.0" encoding="utf-8"?>
+<p:sld xmlns:a="http://schemas.openxmlformats.org/drawingml/2006/main" xmlns:r="http://schemas.openxmlformats.org/officeDocument/2006/relationships" xmlns:p="http://schemas.openxmlformats.org/presentationml/2006/main">
+  <p:cSld>
+    <p:spTree>
+      <p:nvGrpSpPr>
+        <p:cNvPr id="1" name=""/>
+        <p:cNvGrpSpPr/>
+        <p:nvPr/>
+      </p:nvGrpSpPr>
+      <p:grpSpPr>
+        <a:xfrm>
+          <a:off x="0" y="0"/>
+          <a:ext cx="0" cy="0"/>
+          <a:chOff x="0" y="0"/>
+          <a:chExt cx="0" cy="0"/>
+        </a:xfrm>
+      </p:grpSpPr>
+      <p:sp>
+        <p:nvSpPr>
+          <p:cNvPr id="2" name="Title 1"/>
+          <p:cNvSpPr>
+            <a:spLocks noGrp="1"/>
+          </p:cNvSpPr>
+          <p:nvPr>
+            <p:ph type="title"/>
+          </p:nvPr>
+        </p:nvSpPr>
+        <p:spPr/>
+        <p:txBody>
+          <a:bodyPr/>
+          <a:lstStyle/>
+          <a:p>
+            <a:r>
+              <a:rPr lang="en-US" dirty="0" smtClean="0"/>
+              <a:t>Error Analysis</a:t>
+            </a:r>
+            <a:endParaRPr lang="en-US" dirty="0"/>
+          </a:p>
+        </p:txBody>
+      </p:sp>
+      <p:pic>
+        <p:nvPicPr>
+          <p:cNvPr id="4" name="Picture 3"/>
+          <p:cNvPicPr>
+            <a:picLocks noChangeAspect="1"/>
+          </p:cNvPicPr>
+          <p:nvPr/>
+        </p:nvPicPr>
+        <p:blipFill>
+          <a:blip r:embed="rId2" cstate="print">
+            <a:extLst>
+              <a:ext uri="{28A0092B-C50C-407E-A947-70E740481C1C}">
+                <a14:useLocalDpi xmlns:a14="http://schemas.microsoft.com/office/drawing/2010/main" val="0"/>
+              </a:ext>
+            </a:extLst>
+          </a:blip>
+          <a:stretch>
+            <a:fillRect/>
+          </a:stretch>
+        </p:blipFill>
+        <p:spPr>
+          <a:xfrm>
+            <a:off x="202962" y="1930241"/>
+            <a:ext cx="2972039" cy="1981359"/>
+          </a:xfrm>
+          <a:prstGeom prst="rect">
+            <a:avLst/>
+          </a:prstGeom>
+        </p:spPr>
+      </p:pic>
+      <p:pic>
+        <p:nvPicPr>
+          <p:cNvPr id="5" name="Picture 4"/>
+          <p:cNvPicPr>
+            <a:picLocks noChangeAspect="1"/>
+          </p:cNvPicPr>
+          <p:nvPr/>
+        </p:nvPicPr>
+        <p:blipFill>
+          <a:blip r:embed="rId3" cstate="print">
+            <a:extLst>
+              <a:ext uri="{28A0092B-C50C-407E-A947-70E740481C1C}">
+                <a14:useLocalDpi xmlns:a14="http://schemas.microsoft.com/office/drawing/2010/main" val="0"/>
+              </a:ext>
+            </a:extLst>
+          </a:blip>
+          <a:stretch>
+            <a:fillRect/>
+          </a:stretch>
+        </p:blipFill>
+        <p:spPr>
+          <a:xfrm>
+            <a:off x="202962" y="3911600"/>
+            <a:ext cx="2972039" cy="1981359"/>
+          </a:xfrm>
+          <a:prstGeom prst="rect">
+            <a:avLst/>
+          </a:prstGeom>
+        </p:spPr>
+      </p:pic>
+      <p:pic>
+        <p:nvPicPr>
+          <p:cNvPr id="6" name="Picture 5"/>
+          <p:cNvPicPr>
+            <a:picLocks noChangeAspect="1"/>
+          </p:cNvPicPr>
+          <p:nvPr/>
+        </p:nvPicPr>
+        <p:blipFill>
+          <a:blip r:embed="rId4" cstate="print">
+            <a:extLst>
+              <a:ext uri="{28A0092B-C50C-407E-A947-70E740481C1C}">
+                <a14:useLocalDpi xmlns:a14="http://schemas.microsoft.com/office/drawing/2010/main" val="0"/>
+              </a:ext>
+            </a:extLst>
+          </a:blip>
+          <a:stretch>
+            <a:fillRect/>
+          </a:stretch>
+        </p:blipFill>
+        <p:spPr>
+          <a:xfrm>
+            <a:off x="3175001" y="1930241"/>
+            <a:ext cx="3108011" cy="2072007"/>
+          </a:xfrm>
+          <a:prstGeom prst="rect">
+            <a:avLst/>
+          </a:prstGeom>
+        </p:spPr>
+      </p:pic>
+      <p:pic>
+        <p:nvPicPr>
+          <p:cNvPr id="7" name="Picture 6"/>
+          <p:cNvPicPr>
+            <a:picLocks noChangeAspect="1"/>
+          </p:cNvPicPr>
+          <p:nvPr/>
+        </p:nvPicPr>
+        <p:blipFill>
+          <a:blip r:embed="rId5" cstate="print">
+            <a:extLst>
+              <a:ext uri="{28A0092B-C50C-407E-A947-70E740481C1C}">
+                <a14:useLocalDpi xmlns:a14="http://schemas.microsoft.com/office/drawing/2010/main" val="0"/>
+              </a:ext>
+            </a:extLst>
+          </a:blip>
+          <a:stretch>
+            <a:fillRect/>
+          </a:stretch>
+        </p:blipFill>
+        <p:spPr>
+          <a:xfrm>
+            <a:off x="3175001" y="4002248"/>
+            <a:ext cx="2972039" cy="1981359"/>
+          </a:xfrm>
+          <a:prstGeom prst="rect">
+            <a:avLst/>
+          </a:prstGeom>
+        </p:spPr>
+      </p:pic>
+      <p:pic>
+        <p:nvPicPr>
+          <p:cNvPr id="8" name="Picture 7"/>
+          <p:cNvPicPr>
+            <a:picLocks noChangeAspect="1"/>
+          </p:cNvPicPr>
+          <p:nvPr/>
+        </p:nvPicPr>
+        <p:blipFill>
+          <a:blip r:embed="rId6" cstate="print">
+            <a:extLst>
+              <a:ext uri="{28A0092B-C50C-407E-A947-70E740481C1C}">
+                <a14:useLocalDpi xmlns:a14="http://schemas.microsoft.com/office/drawing/2010/main" val="0"/>
+              </a:ext>
+            </a:extLst>
+          </a:blip>
+          <a:stretch>
+            <a:fillRect/>
+          </a:stretch>
+        </p:blipFill>
+        <p:spPr>
+          <a:xfrm>
+            <a:off x="6147040" y="3911600"/>
+            <a:ext cx="3108012" cy="2072007"/>
+          </a:xfrm>
+          <a:prstGeom prst="rect">
+            <a:avLst/>
+          </a:prstGeom>
+        </p:spPr>
+      </p:pic>
+      <p:pic>
+        <p:nvPicPr>
+          <p:cNvPr id="9" name="Picture 8"/>
+          <p:cNvPicPr>
+            <a:picLocks noChangeAspect="1"/>
+          </p:cNvPicPr>
+          <p:nvPr/>
+        </p:nvPicPr>
+        <p:blipFill>
+          <a:blip r:embed="rId7" cstate="print">
+            <a:extLst>
+              <a:ext uri="{28A0092B-C50C-407E-A947-70E740481C1C}">
+                <a14:useLocalDpi xmlns:a14="http://schemas.microsoft.com/office/drawing/2010/main" val="0"/>
+              </a:ext>
+            </a:extLst>
+          </a:blip>
+          <a:stretch>
+            <a:fillRect/>
+          </a:stretch>
+        </p:blipFill>
+        <p:spPr>
+          <a:xfrm>
+            <a:off x="6149664" y="1915376"/>
+            <a:ext cx="2994336" cy="1996223"/>
+          </a:xfrm>
+          <a:prstGeom prst="rect">
+            <a:avLst/>
+          </a:prstGeom>
+        </p:spPr>
+      </p:pic>
+    </p:spTree>
+    <p:extLst>
+      <p:ext uri="{BB962C8B-B14F-4D97-AF65-F5344CB8AC3E}">
+        <p14:creationId xmlns:p14="http://schemas.microsoft.com/office/powerpoint/2010/main" val="2792760001"/>
+      </p:ext>
+    </p:extLst>
+  </p:cSld>
+  <p:clrMapOvr>
+    <a:masterClrMapping/>
+  </p:clrMapOvr>
+</p:sld>
+</file>
+
 <file path=ppt/theme/theme1.xml><?xml version="1.0" encoding="utf-8"?>
 <a:theme xmlns:a="http://schemas.openxmlformats.org/drawingml/2006/main" name="Office Theme">
   <a:themeElements>
-    <a:clrScheme name="Office">
+    <a:clrScheme name="Office Theme">
       <a:dk1>
         <a:sysClr val="windowText" lastClr="000000"/>
       </a:dk1>
@@ -3129,7 +4313,7 @@
         <a:srgbClr val="954F72"/>
       </a:folHlink>
     </a:clrScheme>
-    <a:fontScheme name="Office">
+    <a:fontScheme name="Office Theme">
       <a:majorFont>
         <a:latin typeface="Calibri Light" panose="020F0302020204030204"/>
         <a:ea typeface=""/>
@@ -3201,7 +4385,7 @@
         <a:font script="Geor" typeface="Sylfaen"/>
       </a:minorFont>
     </a:fontScheme>
-    <a:fmtScheme name="Office">
+    <a:fmtScheme name="Office Theme">
       <a:fillStyleLst>
         <a:solidFill>
           <a:schemeClr val="phClr"/>
